--- a/presentation.pptx
+++ b/presentation.pptx
@@ -6,10 +6,10 @@
     <p:sldMasterId id="2147483751" r:id="rId2"/>
   </p:sldMasterIdLst>
   <p:notesMasterIdLst>
-    <p:notesMasterId r:id="rId15"/>
+    <p:notesMasterId r:id="rId17"/>
   </p:notesMasterIdLst>
   <p:handoutMasterIdLst>
-    <p:handoutMasterId r:id="rId16"/>
+    <p:handoutMasterId r:id="rId18"/>
   </p:handoutMasterIdLst>
   <p:sldIdLst>
     <p:sldId id="256" r:id="rId3"/>
@@ -23,7 +23,9 @@
     <p:sldId id="265" r:id="rId11"/>
     <p:sldId id="266" r:id="rId12"/>
     <p:sldId id="267" r:id="rId13"/>
-    <p:sldId id="264" r:id="rId14"/>
+    <p:sldId id="268" r:id="rId14"/>
+    <p:sldId id="269" r:id="rId15"/>
+    <p:sldId id="270" r:id="rId16"/>
   </p:sldIdLst>
   <p:sldSz cx="9144000" cy="5143500" type="screen16x9"/>
   <p:notesSz cx="6858000" cy="9144000"/>
@@ -138,7 +140,9 @@
             <p14:sldId id="265"/>
             <p14:sldId id="266"/>
             <p14:sldId id="267"/>
-            <p14:sldId id="264"/>
+            <p14:sldId id="268"/>
+            <p14:sldId id="269"/>
+            <p14:sldId id="270"/>
           </p14:sldIdLst>
         </p14:section>
         <p14:section name="Untitled Section" id="{38F2203A-DA60-42C6-838D-14914B3C4B1C}">
@@ -4603,7 +4607,74 @@
           <a:bodyPr/>
           <a:lstStyle/>
           <a:p>
-            <a:endParaRPr lang="en-US"/>
+            <a:endParaRPr lang="en-US" dirty="0" smtClean="0"/>
+          </a:p>
+          <a:p>
+            <a:r>
+              <a:rPr lang="en-US" dirty="0" smtClean="0"/>
+              <a:t>What?</a:t>
+            </a:r>
+          </a:p>
+          <a:p>
+            <a:pPr marL="342900" indent="-342900">
+              <a:buFont typeface="Arial" panose="020B0604020202020204" pitchFamily="34" charset="0"/>
+              <a:buChar char="•"/>
+            </a:pPr>
+            <a:r>
+              <a:rPr lang="en-US" sz="2400" dirty="0" smtClean="0"/>
+              <a:t>Agents (Problem)</a:t>
+            </a:r>
+          </a:p>
+          <a:p>
+            <a:pPr marL="342900" indent="-342900">
+              <a:buFont typeface="Arial" panose="020B0604020202020204" pitchFamily="34" charset="0"/>
+              <a:buChar char="•"/>
+            </a:pPr>
+            <a:r>
+              <a:rPr lang="en-US" sz="2400" dirty="0" smtClean="0"/>
+              <a:t>E</a:t>
+            </a:r>
+            <a:r>
+              <a:rPr lang="en-US" altLang="zh-CN" sz="2400" dirty="0" smtClean="0"/>
+              <a:t>xploration (Ac</a:t>
+            </a:r>
+            <a:r>
+              <a:rPr lang="en-US" sz="2400" dirty="0" smtClean="0"/>
+              <a:t>tions)</a:t>
+            </a:r>
+          </a:p>
+          <a:p>
+            <a:pPr marL="342900" indent="-342900">
+              <a:buFont typeface="Arial" panose="020B0604020202020204" pitchFamily="34" charset="0"/>
+              <a:buChar char="•"/>
+            </a:pPr>
+            <a:r>
+              <a:rPr lang="en-US" sz="2400" dirty="0" smtClean="0"/>
+              <a:t>An </a:t>
+            </a:r>
+            <a:r>
+              <a:rPr lang="en-US" sz="2400" dirty="0"/>
+              <a:t>environment (</a:t>
+            </a:r>
+            <a:r>
+              <a:rPr lang="en-US" sz="2400" dirty="0"/>
+              <a:t>Markov decision </a:t>
+            </a:r>
+            <a:r>
+              <a:rPr lang="en-US" sz="2400" dirty="0"/>
+              <a:t>process)</a:t>
+            </a:r>
+          </a:p>
+          <a:p>
+            <a:pPr marL="342900" indent="-342900">
+              <a:buFont typeface="Arial" panose="020B0604020202020204" pitchFamily="34" charset="0"/>
+              <a:buChar char="•"/>
+            </a:pPr>
+            <a:r>
+              <a:rPr lang="en-US" sz="2400" dirty="0" smtClean="0"/>
+              <a:t>Cumulative reward (Feedback)</a:t>
+            </a:r>
+            <a:endParaRPr lang="en-US" sz="2400" dirty="0"/>
           </a:p>
         </p:txBody>
       </p:sp>
@@ -4622,14 +4693,400 @@
           <a:bodyPr/>
           <a:lstStyle/>
           <a:p>
-            <a:endParaRPr lang="en-US"/>
+            <a:r>
+              <a:rPr lang="en-US" dirty="0"/>
+              <a:t>Reinforcement Learning</a:t>
+            </a:r>
+            <a:r>
+              <a:rPr lang="en-US" dirty="0" smtClean="0"/>
+              <a:t>?</a:t>
+            </a:r>
+            <a:endParaRPr lang="en-US" dirty="0"/>
+          </a:p>
+        </p:txBody>
+      </p:sp>
+      <p:pic>
+        <p:nvPicPr>
+          <p:cNvPr id="1026" name="Picture 2" descr="Image result for Reinforcement Learning"/>
+          <p:cNvPicPr>
+            <a:picLocks noChangeAspect="1" noChangeArrowheads="1"/>
+          </p:cNvPicPr>
+          <p:nvPr/>
+        </p:nvPicPr>
+        <p:blipFill>
+          <a:blip r:embed="rId2">
+            <a:extLst>
+              <a:ext uri="{28A0092B-C50C-407E-A947-70E740481C1C}">
+                <a14:useLocalDpi xmlns:a14="http://schemas.microsoft.com/office/drawing/2010/main" val="0"/>
+              </a:ext>
+            </a:extLst>
+          </a:blip>
+          <a:srcRect/>
+          <a:stretch>
+            <a:fillRect/>
+          </a:stretch>
+        </p:blipFill>
+        <p:spPr bwMode="auto">
+          <a:xfrm>
+            <a:off x="4309660" y="1219178"/>
+            <a:ext cx="4316095" cy="1664780"/>
+          </a:xfrm>
+          <a:prstGeom prst="rect">
+            <a:avLst/>
+          </a:prstGeom>
+          <a:noFill/>
+          <a:extLst>
+            <a:ext uri="{909E8E84-426E-40DD-AFC4-6F175D3DCCD1}">
+              <a14:hiddenFill xmlns:a14="http://schemas.microsoft.com/office/drawing/2010/main">
+                <a:solidFill>
+                  <a:srgbClr val="FFFFFF"/>
+                </a:solidFill>
+              </a14:hiddenFill>
+            </a:ext>
+          </a:extLst>
+        </p:spPr>
+      </p:pic>
+    </p:spTree>
+    <p:extLst>
+      <p:ext uri="{BB962C8B-B14F-4D97-AF65-F5344CB8AC3E}">
+        <p14:creationId xmlns:p14="http://schemas.microsoft.com/office/powerpoint/2010/main" val="282367867"/>
+      </p:ext>
+    </p:extLst>
+  </p:cSld>
+  <p:clrMapOvr>
+    <a:masterClrMapping/>
+  </p:clrMapOvr>
+  <p:timing>
+    <p:tnLst>
+      <p:par>
+        <p:cTn id="1" dur="indefinite" restart="never" nodeType="tmRoot"/>
+      </p:par>
+    </p:tnLst>
+  </p:timing>
+</p:sld>
+</file>
+
+<file path=ppt/slides/slide13.xml><?xml version="1.0" encoding="utf-8"?>
+<p:sld xmlns:a="http://schemas.openxmlformats.org/drawingml/2006/main" xmlns:r="http://schemas.openxmlformats.org/officeDocument/2006/relationships" xmlns:p="http://schemas.openxmlformats.org/presentationml/2006/main">
+  <p:cSld>
+    <p:spTree>
+      <p:nvGrpSpPr>
+        <p:cNvPr id="1" name=""/>
+        <p:cNvGrpSpPr/>
+        <p:nvPr/>
+      </p:nvGrpSpPr>
+      <p:grpSpPr>
+        <a:xfrm>
+          <a:off x="0" y="0"/>
+          <a:ext cx="0" cy="0"/>
+          <a:chOff x="0" y="0"/>
+          <a:chExt cx="0" cy="0"/>
+        </a:xfrm>
+      </p:grpSpPr>
+      <p:sp>
+        <p:nvSpPr>
+          <p:cNvPr id="2" name="Content Placeholder 1"/>
+          <p:cNvSpPr>
+            <a:spLocks noGrp="1"/>
+          </p:cNvSpPr>
+          <p:nvPr>
+            <p:ph idx="13"/>
+          </p:nvPr>
+        </p:nvSpPr>
+        <p:spPr/>
+        <p:txBody>
+          <a:bodyPr/>
+          <a:lstStyle/>
+          <a:p>
+            <a:r>
+              <a:rPr lang="en-US" dirty="0" smtClean="0"/>
+              <a:t>W</a:t>
+            </a:r>
+            <a:r>
+              <a:rPr lang="en-US" altLang="zh-CN" dirty="0" smtClean="0"/>
+              <a:t>here?</a:t>
+            </a:r>
+            <a:endParaRPr lang="en-US" dirty="0"/>
+          </a:p>
+        </p:txBody>
+      </p:sp>
+      <p:sp>
+        <p:nvSpPr>
+          <p:cNvPr id="3" name="Title 2"/>
+          <p:cNvSpPr>
+            <a:spLocks noGrp="1"/>
+          </p:cNvSpPr>
+          <p:nvPr>
+            <p:ph type="title"/>
+          </p:nvPr>
+        </p:nvSpPr>
+        <p:spPr/>
+        <p:txBody>
+          <a:bodyPr/>
+          <a:lstStyle/>
+          <a:p>
+            <a:r>
+              <a:rPr lang="en-US" dirty="0"/>
+              <a:t>Reinforcement Learning?</a:t>
+            </a:r>
+          </a:p>
+        </p:txBody>
+      </p:sp>
+      <p:pic>
+        <p:nvPicPr>
+          <p:cNvPr id="2050" name="Picture 2" descr="Image result for Reinforcement Learning gif"/>
+          <p:cNvPicPr>
+            <a:picLocks noChangeAspect="1" noChangeArrowheads="1" noCrop="1"/>
+          </p:cNvPicPr>
+          <p:nvPr/>
+        </p:nvPicPr>
+        <p:blipFill>
+          <a:blip r:embed="rId2">
+            <a:extLst>
+              <a:ext uri="{28A0092B-C50C-407E-A947-70E740481C1C}">
+                <a14:useLocalDpi xmlns:a14="http://schemas.microsoft.com/office/drawing/2010/main" val="0"/>
+              </a:ext>
+            </a:extLst>
+          </a:blip>
+          <a:srcRect/>
+          <a:stretch>
+            <a:fillRect/>
+          </a:stretch>
+        </p:blipFill>
+        <p:spPr bwMode="auto">
+          <a:xfrm>
+            <a:off x="4797382" y="2286000"/>
+            <a:ext cx="3922366" cy="2259284"/>
+          </a:xfrm>
+          <a:prstGeom prst="rect">
+            <a:avLst/>
+          </a:prstGeom>
+          <a:noFill/>
+          <a:extLst>
+            <a:ext uri="{909E8E84-426E-40DD-AFC4-6F175D3DCCD1}">
+              <a14:hiddenFill xmlns:a14="http://schemas.microsoft.com/office/drawing/2010/main">
+                <a:solidFill>
+                  <a:srgbClr val="FFFFFF"/>
+                </a:solidFill>
+              </a14:hiddenFill>
+            </a:ext>
+          </a:extLst>
+        </p:spPr>
+      </p:pic>
+      <p:pic>
+        <p:nvPicPr>
+          <p:cNvPr id="5" name="Picture 2" descr="Image result for reinforcement learning starcraft 2"/>
+          <p:cNvPicPr>
+            <a:picLocks noChangeAspect="1" noChangeArrowheads="1"/>
+          </p:cNvPicPr>
+          <p:nvPr/>
+        </p:nvPicPr>
+        <p:blipFill>
+          <a:blip r:embed="rId3">
+            <a:extLst>
+              <a:ext uri="{28A0092B-C50C-407E-A947-70E740481C1C}">
+                <a14:useLocalDpi xmlns:a14="http://schemas.microsoft.com/office/drawing/2010/main" val="0"/>
+              </a:ext>
+            </a:extLst>
+          </a:blip>
+          <a:srcRect/>
+          <a:stretch>
+            <a:fillRect/>
+          </a:stretch>
+        </p:blipFill>
+        <p:spPr bwMode="auto">
+          <a:xfrm>
+            <a:off x="388621" y="2286000"/>
+            <a:ext cx="4050452" cy="2278380"/>
+          </a:xfrm>
+          <a:prstGeom prst="rect">
+            <a:avLst/>
+          </a:prstGeom>
+          <a:noFill/>
+          <a:extLst>
+            <a:ext uri="{909E8E84-426E-40DD-AFC4-6F175D3DCCD1}">
+              <a14:hiddenFill xmlns:a14="http://schemas.microsoft.com/office/drawing/2010/main">
+                <a:solidFill>
+                  <a:srgbClr val="FFFFFF"/>
+                </a:solidFill>
+              </a14:hiddenFill>
+            </a:ext>
+          </a:extLst>
+        </p:spPr>
+      </p:pic>
+      <p:sp>
+        <p:nvSpPr>
+          <p:cNvPr id="4" name="TextBox 3"/>
+          <p:cNvSpPr txBox="1"/>
+          <p:nvPr/>
+        </p:nvSpPr>
+        <p:spPr>
+          <a:xfrm>
+            <a:off x="1074420" y="1927860"/>
+            <a:ext cx="2796540" cy="369332"/>
+          </a:xfrm>
+          <a:prstGeom prst="rect">
+            <a:avLst/>
+          </a:prstGeom>
+          <a:noFill/>
+        </p:spPr>
+        <p:txBody>
+          <a:bodyPr wrap="square" rtlCol="0">
+            <a:spAutoFit/>
+          </a:bodyPr>
+          <a:lstStyle/>
+          <a:p>
+            <a:r>
+              <a:rPr lang="en-US" dirty="0" smtClean="0"/>
+              <a:t>Real-time strategy game</a:t>
+            </a:r>
+            <a:endParaRPr lang="en-US" dirty="0"/>
+          </a:p>
+        </p:txBody>
+      </p:sp>
+      <p:sp>
+        <p:nvSpPr>
+          <p:cNvPr id="7" name="TextBox 6"/>
+          <p:cNvSpPr txBox="1"/>
+          <p:nvPr/>
+        </p:nvSpPr>
+        <p:spPr>
+          <a:xfrm>
+            <a:off x="5478780" y="1927860"/>
+            <a:ext cx="2796540" cy="369332"/>
+          </a:xfrm>
+          <a:prstGeom prst="rect">
+            <a:avLst/>
+          </a:prstGeom>
+          <a:noFill/>
+        </p:spPr>
+        <p:txBody>
+          <a:bodyPr wrap="square" rtlCol="0">
+            <a:spAutoFit/>
+          </a:bodyPr>
+          <a:lstStyle/>
+          <a:p>
+            <a:pPr algn="ctr"/>
+            <a:r>
+              <a:rPr lang="en-US" dirty="0" smtClean="0"/>
+              <a:t>Atari game</a:t>
+            </a:r>
+            <a:endParaRPr lang="en-US" dirty="0"/>
           </a:p>
         </p:txBody>
       </p:sp>
     </p:spTree>
     <p:extLst>
       <p:ext uri="{BB962C8B-B14F-4D97-AF65-F5344CB8AC3E}">
-        <p14:creationId xmlns:p14="http://schemas.microsoft.com/office/powerpoint/2010/main" val="3542976788"/>
+        <p14:creationId xmlns:p14="http://schemas.microsoft.com/office/powerpoint/2010/main" val="1484742909"/>
+      </p:ext>
+    </p:extLst>
+  </p:cSld>
+  <p:clrMapOvr>
+    <a:masterClrMapping/>
+  </p:clrMapOvr>
+  <p:timing>
+    <p:tnLst>
+      <p:par>
+        <p:cTn id="1" dur="indefinite" restart="never" nodeType="tmRoot"/>
+      </p:par>
+    </p:tnLst>
+  </p:timing>
+</p:sld>
+</file>
+
+<file path=ppt/slides/slide14.xml><?xml version="1.0" encoding="utf-8"?>
+<p:sld xmlns:a="http://schemas.openxmlformats.org/drawingml/2006/main" xmlns:r="http://schemas.openxmlformats.org/officeDocument/2006/relationships" xmlns:p="http://schemas.openxmlformats.org/presentationml/2006/main">
+  <p:cSld>
+    <p:spTree>
+      <p:nvGrpSpPr>
+        <p:cNvPr id="1" name=""/>
+        <p:cNvGrpSpPr/>
+        <p:nvPr/>
+      </p:nvGrpSpPr>
+      <p:grpSpPr>
+        <a:xfrm>
+          <a:off x="0" y="0"/>
+          <a:ext cx="0" cy="0"/>
+          <a:chOff x="0" y="0"/>
+          <a:chExt cx="0" cy="0"/>
+        </a:xfrm>
+      </p:grpSpPr>
+      <p:sp>
+        <p:nvSpPr>
+          <p:cNvPr id="2" name="Content Placeholder 1"/>
+          <p:cNvSpPr>
+            <a:spLocks noGrp="1"/>
+          </p:cNvSpPr>
+          <p:nvPr>
+            <p:ph idx="13"/>
+          </p:nvPr>
+        </p:nvSpPr>
+        <p:spPr/>
+        <p:txBody>
+          <a:bodyPr/>
+          <a:lstStyle/>
+          <a:p>
+            <a:r>
+              <a:rPr lang="en-US" dirty="0" smtClean="0"/>
+              <a:t>Why?</a:t>
+            </a:r>
+          </a:p>
+          <a:p>
+            <a:endParaRPr lang="en-US" dirty="0"/>
+          </a:p>
+        </p:txBody>
+      </p:sp>
+      <p:sp>
+        <p:nvSpPr>
+          <p:cNvPr id="3" name="Title 2"/>
+          <p:cNvSpPr>
+            <a:spLocks noGrp="1"/>
+          </p:cNvSpPr>
+          <p:nvPr>
+            <p:ph type="title"/>
+          </p:nvPr>
+        </p:nvSpPr>
+        <p:spPr/>
+        <p:txBody>
+          <a:bodyPr/>
+          <a:lstStyle/>
+          <a:p>
+            <a:r>
+              <a:rPr lang="en-US" dirty="0"/>
+              <a:t>Reinforcement Learning?</a:t>
+            </a:r>
+          </a:p>
+        </p:txBody>
+      </p:sp>
+      <p:pic>
+        <p:nvPicPr>
+          <p:cNvPr id="4" name="Picture 3"/>
+          <p:cNvPicPr>
+            <a:picLocks noChangeAspect="1"/>
+          </p:cNvPicPr>
+          <p:nvPr/>
+        </p:nvPicPr>
+        <p:blipFill>
+          <a:blip r:embed="rId2"/>
+          <a:stretch>
+            <a:fillRect/>
+          </a:stretch>
+        </p:blipFill>
+        <p:spPr>
+          <a:xfrm>
+            <a:off x="3142580" y="3800475"/>
+            <a:ext cx="2952750" cy="1123950"/>
+          </a:xfrm>
+          <a:prstGeom prst="rect">
+            <a:avLst/>
+          </a:prstGeom>
+        </p:spPr>
+      </p:pic>
+    </p:spTree>
+    <p:extLst>
+      <p:ext uri="{BB962C8B-B14F-4D97-AF65-F5344CB8AC3E}">
+        <p14:creationId xmlns:p14="http://schemas.microsoft.com/office/powerpoint/2010/main" val="758280713"/>
       </p:ext>
     </p:extLst>
   </p:cSld>
